--- a/InfoSec/PPTs/Labs/Lab3-Heartbleed.pptx
+++ b/InfoSec/PPTs/Labs/Lab3-Heartbleed.pptx
@@ -5,17 +5,18 @@
     <p:sldMasterId id="2147483648" r:id="rId1"/>
   </p:sldMasterIdLst>
   <p:notesMasterIdLst>
-    <p:notesMasterId r:id="rId10"/>
+    <p:notesMasterId r:id="rId11"/>
   </p:notesMasterIdLst>
   <p:sldIdLst>
     <p:sldId id="256" r:id="rId2"/>
     <p:sldId id="265" r:id="rId3"/>
     <p:sldId id="266" r:id="rId4"/>
     <p:sldId id="260" r:id="rId5"/>
-    <p:sldId id="262" r:id="rId6"/>
-    <p:sldId id="263" r:id="rId7"/>
-    <p:sldId id="264" r:id="rId8"/>
-    <p:sldId id="268" r:id="rId9"/>
+    <p:sldId id="269" r:id="rId6"/>
+    <p:sldId id="262" r:id="rId7"/>
+    <p:sldId id="263" r:id="rId8"/>
+    <p:sldId id="264" r:id="rId9"/>
+    <p:sldId id="268" r:id="rId10"/>
   </p:sldIdLst>
   <p:sldSz cx="12192000" cy="6858000"/>
   <p:notesSz cx="6858000" cy="9144000"/>
@@ -133,10 +134,6 @@
 </p:presentation>
 </file>
 
-<file path=ppt/revisionInfo.xml><?xml version="1.0" encoding="utf-8"?>
-<p1510:revInfo xmlns:a="http://schemas.openxmlformats.org/drawingml/2006/main" xmlns:r="http://schemas.openxmlformats.org/officeDocument/2006/relationships" xmlns:p1510="http://schemas.microsoft.com/office/powerpoint/2015/10/main"/>
-</file>
-
 <file path=ppt/notesMasters/notesMaster1.xml><?xml version="1.0" encoding="utf-8"?>
 <p:notesMaster xmlns:a="http://schemas.openxmlformats.org/drawingml/2006/main" xmlns:r="http://schemas.openxmlformats.org/officeDocument/2006/relationships" xmlns:p="http://schemas.openxmlformats.org/presentationml/2006/main">
   <p:cSld>
@@ -219,7 +216,7 @@
           <a:p>
             <a:fld id="{BD810E91-F366-4DC1-B7B7-7C1E8DAC99BF}" type="datetimeFigureOut">
               <a:rPr lang="en-US" smtClean="0"/>
-              <a:t>12/29/2017</a:t>
+              <a:t>5/21/2020</a:t>
             </a:fld>
             <a:endParaRPr lang="en-US" dirty="0"/>
           </a:p>
@@ -540,16 +537,12 @@
               <a:buChar char="•"/>
             </a:pPr>
             <a:r>
-              <a:rPr lang="en-US" dirty="0" err="1" smtClean="0"/>
+              <a:rPr lang="en-US" dirty="0" err="1"/>
               <a:t>OpenSSL</a:t>
             </a:r>
             <a:r>
-              <a:rPr lang="en-US" dirty="0" smtClean="0"/>
-              <a:t> </a:t>
-            </a:r>
-            <a:r>
               <a:rPr lang="en-US" dirty="0"/>
-              <a:t>is a commercial grade toolkit for the TLS/SSL protocols</a:t>
+              <a:t> is a commercial grade toolkit for the TLS/SSL protocols</a:t>
             </a:r>
           </a:p>
           <a:p>
@@ -723,35 +716,35 @@
           <a:lstStyle/>
           <a:p>
             <a:r>
-              <a:rPr lang="en-US" sz="1200" dirty="0" smtClean="0"/>
+              <a:rPr lang="en-US" sz="1200" dirty="0"/>
               <a:t>To launch a Heartbleed attack, an attacked sends a specially crafted </a:t>
             </a:r>
             <a:r>
-              <a:rPr lang="en-US" sz="1200" dirty="0" err="1" smtClean="0"/>
+              <a:rPr lang="en-US" sz="1200" dirty="0" err="1"/>
               <a:t>Heartbeet</a:t>
             </a:r>
             <a:r>
-              <a:rPr lang="en-US" sz="1200" dirty="0" smtClean="0"/>
+              <a:rPr lang="en-US" sz="1200" dirty="0"/>
               <a:t> request packet to the victim</a:t>
             </a:r>
           </a:p>
           <a:p>
             <a:r>
-              <a:rPr lang="en-US" sz="1200" dirty="0" smtClean="0"/>
+              <a:rPr lang="en-US" sz="1200" dirty="0"/>
               <a:t>Inside this packet, the number put in the payload size field is larger than the actual payload size</a:t>
             </a:r>
           </a:p>
           <a:p>
             <a:r>
-              <a:rPr lang="en-US" sz="1200" dirty="0" smtClean="0"/>
+              <a:rPr lang="en-US" sz="1200" dirty="0"/>
               <a:t>When the packet arrives on receiver side, </a:t>
             </a:r>
             <a:r>
-              <a:rPr lang="en-US" sz="1200" dirty="0" err="1" smtClean="0"/>
+              <a:rPr lang="en-US" sz="1200" dirty="0" err="1"/>
               <a:t>memcpy</a:t>
             </a:r>
             <a:r>
-              <a:rPr lang="en-US" sz="1200" dirty="0" smtClean="0"/>
+              <a:rPr lang="en-US" sz="1200" dirty="0"/>
               <a:t>() will copy more data into the response packet than the request packet. </a:t>
             </a:r>
           </a:p>
@@ -760,7 +753,7 @@
               <a:buFont typeface="Arial" panose="020B0604020202020204" pitchFamily="34" charset="0"/>
               <a:buNone/>
             </a:pPr>
-            <a:endParaRPr lang="en-US" dirty="0" smtClean="0"/>
+            <a:endParaRPr lang="en-US" dirty="0"/>
           </a:p>
           <a:p>
             <a:pPr marL="171450" indent="-171450">
@@ -768,12 +761,8 @@
               <a:buChar char="•"/>
             </a:pPr>
             <a:r>
-              <a:rPr lang="en-US" dirty="0" smtClean="0"/>
-              <a:t>The </a:t>
-            </a:r>
-            <a:r>
               <a:rPr lang="en-US" dirty="0"/>
-              <a:t>affected memory</a:t>
+              <a:t>The affected memory</a:t>
             </a:r>
             <a:r>
               <a:rPr lang="en-US" baseline="0" dirty="0"/>
@@ -1032,7 +1021,7 @@
           <a:p>
             <a:fld id="{3E1CCEEA-212A-445A-B5B9-3AEB50B92E92}" type="slidenum">
               <a:rPr lang="en-US" smtClean="0"/>
-              <a:t>5</a:t>
+              <a:t>6</a:t>
             </a:fld>
             <a:endParaRPr lang="en-US"/>
           </a:p>
@@ -1224,7 +1213,7 @@
           <a:p>
             <a:fld id="{3E1CCEEA-212A-445A-B5B9-3AEB50B92E92}" type="slidenum">
               <a:rPr lang="en-US" smtClean="0"/>
-              <a:t>6</a:t>
+              <a:t>7</a:t>
             </a:fld>
             <a:endParaRPr lang="en-US"/>
           </a:p>
@@ -1422,7 +1411,7 @@
           <a:p>
             <a:fld id="{3E1CCEEA-212A-445A-B5B9-3AEB50B92E92}" type="slidenum">
               <a:rPr lang="en-US" smtClean="0"/>
-              <a:t>7</a:t>
+              <a:t>8</a:t>
             </a:fld>
             <a:endParaRPr lang="en-US"/>
           </a:p>
@@ -1620,7 +1609,7 @@
           <a:p>
             <a:fld id="{940F1021-B266-43B3-BDEC-DFA811CAEF20}" type="datetimeFigureOut">
               <a:rPr lang="en-US" smtClean="0"/>
-              <a:t>12/29/2017</a:t>
+              <a:t>5/21/2020</a:t>
             </a:fld>
             <a:endParaRPr lang="en-US" dirty="0"/>
           </a:p>
@@ -1788,7 +1777,7 @@
           <a:p>
             <a:fld id="{940F1021-B266-43B3-BDEC-DFA811CAEF20}" type="datetimeFigureOut">
               <a:rPr lang="en-US" smtClean="0"/>
-              <a:t>12/29/2017</a:t>
+              <a:t>5/21/2020</a:t>
             </a:fld>
             <a:endParaRPr lang="en-US" dirty="0"/>
           </a:p>
@@ -1966,7 +1955,7 @@
           <a:p>
             <a:fld id="{940F1021-B266-43B3-BDEC-DFA811CAEF20}" type="datetimeFigureOut">
               <a:rPr lang="en-US" smtClean="0"/>
-              <a:t>12/29/2017</a:t>
+              <a:t>5/21/2020</a:t>
             </a:fld>
             <a:endParaRPr lang="en-US" dirty="0"/>
           </a:p>
@@ -2134,7 +2123,7 @@
           <a:p>
             <a:fld id="{940F1021-B266-43B3-BDEC-DFA811CAEF20}" type="datetimeFigureOut">
               <a:rPr lang="en-US" smtClean="0"/>
-              <a:t>12/29/2017</a:t>
+              <a:t>5/21/2020</a:t>
             </a:fld>
             <a:endParaRPr lang="en-US" dirty="0"/>
           </a:p>
@@ -2379,7 +2368,7 @@
           <a:p>
             <a:fld id="{940F1021-B266-43B3-BDEC-DFA811CAEF20}" type="datetimeFigureOut">
               <a:rPr lang="en-US" smtClean="0"/>
-              <a:t>12/29/2017</a:t>
+              <a:t>5/21/2020</a:t>
             </a:fld>
             <a:endParaRPr lang="en-US" dirty="0"/>
           </a:p>
@@ -2664,7 +2653,7 @@
           <a:p>
             <a:fld id="{940F1021-B266-43B3-BDEC-DFA811CAEF20}" type="datetimeFigureOut">
               <a:rPr lang="en-US" smtClean="0"/>
-              <a:t>12/29/2017</a:t>
+              <a:t>5/21/2020</a:t>
             </a:fld>
             <a:endParaRPr lang="en-US" dirty="0"/>
           </a:p>
@@ -3083,7 +3072,7 @@
           <a:p>
             <a:fld id="{940F1021-B266-43B3-BDEC-DFA811CAEF20}" type="datetimeFigureOut">
               <a:rPr lang="en-US" smtClean="0"/>
-              <a:t>12/29/2017</a:t>
+              <a:t>5/21/2020</a:t>
             </a:fld>
             <a:endParaRPr lang="en-US" dirty="0"/>
           </a:p>
@@ -3200,7 +3189,7 @@
           <a:p>
             <a:fld id="{940F1021-B266-43B3-BDEC-DFA811CAEF20}" type="datetimeFigureOut">
               <a:rPr lang="en-US" smtClean="0"/>
-              <a:t>12/29/2017</a:t>
+              <a:t>5/21/2020</a:t>
             </a:fld>
             <a:endParaRPr lang="en-US" dirty="0"/>
           </a:p>
@@ -3295,7 +3284,7 @@
           <a:p>
             <a:fld id="{940F1021-B266-43B3-BDEC-DFA811CAEF20}" type="datetimeFigureOut">
               <a:rPr lang="en-US" smtClean="0"/>
-              <a:t>12/29/2017</a:t>
+              <a:t>5/21/2020</a:t>
             </a:fld>
             <a:endParaRPr lang="en-US" dirty="0"/>
           </a:p>
@@ -3570,7 +3559,7 @@
           <a:p>
             <a:fld id="{940F1021-B266-43B3-BDEC-DFA811CAEF20}" type="datetimeFigureOut">
               <a:rPr lang="en-US" smtClean="0"/>
-              <a:t>12/29/2017</a:t>
+              <a:t>5/21/2020</a:t>
             </a:fld>
             <a:endParaRPr lang="en-US" dirty="0"/>
           </a:p>
@@ -3822,7 +3811,7 @@
           <a:p>
             <a:fld id="{940F1021-B266-43B3-BDEC-DFA811CAEF20}" type="datetimeFigureOut">
               <a:rPr lang="en-US" smtClean="0"/>
-              <a:t>12/29/2017</a:t>
+              <a:t>5/21/2020</a:t>
             </a:fld>
             <a:endParaRPr lang="en-US" dirty="0"/>
           </a:p>
@@ -4033,7 +4022,7 @@
           <a:p>
             <a:fld id="{940F1021-B266-43B3-BDEC-DFA811CAEF20}" type="datetimeFigureOut">
               <a:rPr lang="en-US" smtClean="0"/>
-              <a:t>12/29/2017</a:t>
+              <a:t>5/21/2020</a:t>
             </a:fld>
             <a:endParaRPr lang="en-US" dirty="0"/>
           </a:p>
@@ -4520,44 +4509,27 @@
           <a:lstStyle/>
           <a:p>
             <a:r>
-              <a:rPr lang="en-US" dirty="0" smtClean="0"/>
-              <a:t>TLS/SSL </a:t>
-            </a:r>
-            <a:r>
               <a:rPr lang="en-US" dirty="0"/>
-              <a:t>protocols provide a secure channel between two communicating applications</a:t>
-            </a:r>
-          </a:p>
-          <a:p>
-            <a:r>
-              <a:rPr lang="en-US" dirty="0" smtClean="0"/>
+              <a:t>TLS/SSL protocols provide a secure channel between two communicating applications</a:t>
+            </a:r>
+          </a:p>
+          <a:p>
+            <a:r>
+              <a:rPr lang="en-US" dirty="0"/>
               <a:t>TLS/SSL is widely used</a:t>
             </a:r>
           </a:p>
           <a:p>
             <a:r>
-              <a:rPr lang="en-US" dirty="0" smtClean="0"/>
-              <a:t>Heartbeat extension: implement </a:t>
-            </a:r>
-            <a:r>
               <a:rPr lang="en-US" dirty="0"/>
-              <a:t>keep-alive feature of TLS</a:t>
-            </a:r>
-            <a:r>
-              <a:rPr lang="en-US" dirty="0" smtClean="0"/>
-              <a:t>.</a:t>
+              <a:t>Heartbeat extension: implement keep-alive feature of TLS.</a:t>
             </a:r>
           </a:p>
           <a:p>
             <a:r>
               <a:rPr lang="en-US" dirty="0"/>
-              <a:t>Heartbleed bug is an implementation flaw in TLS/SSL heartbeat extension</a:t>
-            </a:r>
-            <a:r>
-              <a:rPr lang="en-US" dirty="0" smtClean="0"/>
-              <a:t>.</a:t>
-            </a:r>
-            <a:endParaRPr lang="en-US" dirty="0"/>
+              <a:t>Heartbleed bug is an implementation flaw in TLS/SSL heartbeat extension.</a:t>
+            </a:r>
           </a:p>
           <a:p>
             <a:pPr marL="0" lvl="1" indent="0">
@@ -4614,10 +4586,9 @@
           <a:p>
             <a:pPr algn="l"/>
             <a:r>
-              <a:rPr lang="en-US" dirty="0" smtClean="0"/>
+              <a:rPr lang="en-US" dirty="0"/>
               <a:t>How Response Packet is Constructed</a:t>
             </a:r>
-            <a:endParaRPr lang="en-US" dirty="0"/>
           </a:p>
         </p:txBody>
       </p:sp>
@@ -4673,7 +4644,7 @@
           <a:lstStyle/>
           <a:p>
             <a:r>
-              <a:rPr lang="en-US" sz="2800" dirty="0" smtClean="0">
+              <a:rPr lang="en-US" sz="2800" dirty="0">
                 <a:solidFill>
                   <a:srgbClr val="FF0000"/>
                 </a:solidFill>
@@ -4681,7 +4652,7 @@
               <a:t>Problem</a:t>
             </a:r>
             <a:r>
-              <a:rPr lang="en-US" sz="2800" dirty="0" smtClean="0"/>
+              <a:rPr lang="en-US" sz="2800" dirty="0"/>
               <a:t>: how much is copied depends on the value contained in the payload length field.</a:t>
             </a:r>
           </a:p>
@@ -4690,7 +4661,7 @@
           </a:p>
           <a:p>
             <a:r>
-              <a:rPr lang="en-US" sz="2800" dirty="0" smtClean="0">
+              <a:rPr lang="en-US" sz="2800" dirty="0">
                 <a:solidFill>
                   <a:srgbClr val="FF0000"/>
                 </a:solidFill>
@@ -4698,10 +4669,9 @@
               <a:t>What if </a:t>
             </a:r>
             <a:r>
-              <a:rPr lang="en-US" sz="2800" dirty="0" smtClean="0"/>
+              <a:rPr lang="en-US" sz="2800" dirty="0"/>
               <a:t>this value is larger than the actual payload size? </a:t>
             </a:r>
-            <a:endParaRPr lang="en-US" sz="2800" dirty="0"/>
           </a:p>
         </p:txBody>
       </p:sp>
@@ -4759,10 +4729,9 @@
           <a:p>
             <a:pPr algn="l"/>
             <a:r>
-              <a:rPr lang="en-US" dirty="0" smtClean="0"/>
+              <a:rPr lang="en-US" dirty="0"/>
               <a:t>Launch the Attack</a:t>
             </a:r>
-            <a:endParaRPr lang="en-US" dirty="0"/>
           </a:p>
         </p:txBody>
       </p:sp>
@@ -4822,7 +4791,7 @@
           <a:lstStyle/>
           <a:p>
             <a:r>
-              <a:rPr lang="en-US" sz="2800" b="1" dirty="0" smtClean="0">
+              <a:rPr lang="en-US" sz="2800" b="1" dirty="0">
                 <a:solidFill>
                   <a:srgbClr val="FF0000"/>
                 </a:solidFill>
@@ -4830,10 +4799,9 @@
               <a:t>Attack results: </a:t>
             </a:r>
             <a:r>
-              <a:rPr lang="en-US" sz="2800" dirty="0" smtClean="0"/>
+              <a:rPr lang="en-US" sz="2800" dirty="0"/>
               <a:t>Some data from the server’s memory also got copied into the response packet, which will be sent out</a:t>
             </a:r>
-            <a:endParaRPr lang="en-US" sz="2800" dirty="0"/>
           </a:p>
         </p:txBody>
       </p:sp>
@@ -4951,6 +4919,133 @@
       </p:grpSpPr>
       <p:sp>
         <p:nvSpPr>
+          <p:cNvPr id="2" name="Title 1">
+            <a:extLst>
+              <a:ext uri="{FF2B5EF4-FFF2-40B4-BE49-F238E27FC236}">
+                <a16:creationId xmlns:a16="http://schemas.microsoft.com/office/drawing/2014/main" id="{C7051723-1D87-464B-A727-8388DC1D8A6A}"/>
+              </a:ext>
+            </a:extLst>
+          </p:cNvPr>
+          <p:cNvSpPr>
+            <a:spLocks noGrp="1"/>
+          </p:cNvSpPr>
+          <p:nvPr>
+            <p:ph type="title"/>
+          </p:nvPr>
+        </p:nvSpPr>
+        <p:spPr/>
+        <p:txBody>
+          <a:bodyPr/>
+          <a:lstStyle/>
+          <a:p>
+            <a:endParaRPr lang="en-SE"/>
+          </a:p>
+        </p:txBody>
+      </p:sp>
+      <p:sp>
+        <p:nvSpPr>
+          <p:cNvPr id="3" name="Content Placeholder 2">
+            <a:extLst>
+              <a:ext uri="{FF2B5EF4-FFF2-40B4-BE49-F238E27FC236}">
+                <a16:creationId xmlns:a16="http://schemas.microsoft.com/office/drawing/2014/main" id="{FC577C3E-E5DE-4C97-8D6A-9993D4B4B3EB}"/>
+              </a:ext>
+            </a:extLst>
+          </p:cNvPr>
+          <p:cNvSpPr>
+            <a:spLocks noGrp="1"/>
+          </p:cNvSpPr>
+          <p:nvPr>
+            <p:ph idx="1"/>
+          </p:nvPr>
+        </p:nvSpPr>
+        <p:spPr/>
+        <p:txBody>
+          <a:bodyPr/>
+          <a:lstStyle/>
+          <a:p>
+            <a:endParaRPr lang="en-SE"/>
+          </a:p>
+        </p:txBody>
+      </p:sp>
+      <p:pic>
+        <p:nvPicPr>
+          <p:cNvPr id="1026" name="Picture 2">
+            <a:extLst>
+              <a:ext uri="{FF2B5EF4-FFF2-40B4-BE49-F238E27FC236}">
+                <a16:creationId xmlns:a16="http://schemas.microsoft.com/office/drawing/2014/main" id="{6A0E1713-F86B-48E3-A2AF-C4274FBFD930}"/>
+              </a:ext>
+            </a:extLst>
+          </p:cNvPr>
+          <p:cNvPicPr>
+            <a:picLocks noChangeAspect="1" noChangeArrowheads="1"/>
+          </p:cNvPicPr>
+          <p:nvPr/>
+        </p:nvPicPr>
+        <p:blipFill>
+          <a:blip r:embed="rId2">
+            <a:extLst>
+              <a:ext uri="{28A0092B-C50C-407E-A947-70E740481C1C}">
+                <a14:useLocalDpi xmlns:a14="http://schemas.microsoft.com/office/drawing/2010/main" val="0"/>
+              </a:ext>
+            </a:extLst>
+          </a:blip>
+          <a:srcRect/>
+          <a:stretch>
+            <a:fillRect/>
+          </a:stretch>
+        </p:blipFill>
+        <p:spPr bwMode="auto">
+          <a:xfrm>
+            <a:off x="2667000" y="0"/>
+            <a:ext cx="6858000" cy="6858000"/>
+          </a:xfrm>
+          <a:prstGeom prst="rect">
+            <a:avLst/>
+          </a:prstGeom>
+          <a:noFill/>
+          <a:extLst>
+            <a:ext uri="{909E8E84-426E-40DD-AFC4-6F175D3DCCD1}">
+              <a14:hiddenFill xmlns:a14="http://schemas.microsoft.com/office/drawing/2010/main">
+                <a:solidFill>
+                  <a:srgbClr val="FFFFFF"/>
+                </a:solidFill>
+              </a14:hiddenFill>
+            </a:ext>
+          </a:extLst>
+        </p:spPr>
+      </p:pic>
+    </p:spTree>
+    <p:extLst>
+      <p:ext uri="{BB962C8B-B14F-4D97-AF65-F5344CB8AC3E}">
+        <p14:creationId xmlns:p14="http://schemas.microsoft.com/office/powerpoint/2010/main" val="2117826748"/>
+      </p:ext>
+    </p:extLst>
+  </p:cSld>
+  <p:clrMapOvr>
+    <a:masterClrMapping/>
+  </p:clrMapOvr>
+</p:sld>
+</file>
+
+<file path=ppt/slides/slide6.xml><?xml version="1.0" encoding="utf-8"?>
+<p:sld xmlns:a="http://schemas.openxmlformats.org/drawingml/2006/main" xmlns:r="http://schemas.openxmlformats.org/officeDocument/2006/relationships" xmlns:p="http://schemas.openxmlformats.org/presentationml/2006/main">
+  <p:cSld>
+    <p:spTree>
+      <p:nvGrpSpPr>
+        <p:cNvPr id="1" name=""/>
+        <p:cNvGrpSpPr/>
+        <p:nvPr/>
+      </p:nvGrpSpPr>
+      <p:grpSpPr>
+        <a:xfrm>
+          <a:off x="0" y="0"/>
+          <a:ext cx="0" cy="0"/>
+          <a:chOff x="0" y="0"/>
+          <a:chExt cx="0" cy="0"/>
+        </a:xfrm>
+      </p:grpSpPr>
+      <p:sp>
+        <p:nvSpPr>
           <p:cNvPr id="2" name="Title 1"/>
           <p:cNvSpPr>
             <a:spLocks noGrp="1"/>
@@ -5007,16 +5102,8 @@
               </a:spcAft>
             </a:pPr>
             <a:r>
-              <a:rPr lang="en-US" sz="2800" dirty="0" smtClean="0"/>
-              <a:t>0x0016 </a:t>
-            </a:r>
-            <a:r>
               <a:rPr lang="en-US" sz="2800" dirty="0"/>
-              <a:t>(22) is placed in the length field. </a:t>
-            </a:r>
-            <a:r>
-              <a:rPr lang="en-US" sz="2800" dirty="0"/>
-              <a:t>Which exactly matches with the actual length of the payload.</a:t>
+              <a:t>0x0016 (22) is placed in the length field. Which exactly matches with the actual length of the payload.</a:t>
             </a:r>
           </a:p>
           <a:p>
@@ -5162,7 +5249,7 @@
 </p:sld>
 </file>
 
-<file path=ppt/slides/slide6.xml><?xml version="1.0" encoding="utf-8"?>
+<file path=ppt/slides/slide7.xml><?xml version="1.0" encoding="utf-8"?>
 <p:sld xmlns:a="http://schemas.openxmlformats.org/drawingml/2006/main" xmlns:r="http://schemas.openxmlformats.org/officeDocument/2006/relationships" xmlns:p="http://schemas.openxmlformats.org/presentationml/2006/main">
   <p:cSld>
     <p:spTree>
@@ -5268,10 +5355,9 @@
           <a:p>
             <a:pPr algn="r"/>
             <a:r>
-              <a:rPr lang="en-US" sz="2800" dirty="0" smtClean="0"/>
+              <a:rPr lang="en-US" sz="2800" dirty="0"/>
               <a:t>We got some secret from the server</a:t>
             </a:r>
-            <a:endParaRPr lang="en-US" sz="2800" dirty="0"/>
           </a:p>
         </p:txBody>
       </p:sp>
@@ -5370,7 +5456,7 @@
 </p:sld>
 </file>
 
-<file path=ppt/slides/slide7.xml><?xml version="1.0" encoding="utf-8"?>
+<file path=ppt/slides/slide8.xml><?xml version="1.0" encoding="utf-8"?>
 <p:sld xmlns:a="http://schemas.openxmlformats.org/drawingml/2006/main" xmlns:r="http://schemas.openxmlformats.org/officeDocument/2006/relationships" xmlns:p="http://schemas.openxmlformats.org/presentationml/2006/main">
   <p:cSld>
     <p:spTree>
@@ -5478,16 +5564,12 @@
             </a:endParaRPr>
           </a:p>
           <a:p>
-            <a:endParaRPr lang="en-US" sz="1100" dirty="0" smtClean="0"/>
-          </a:p>
-          <a:p>
-            <a:r>
-              <a:rPr lang="en-US" dirty="0" smtClean="0"/>
-              <a:t>The </a:t>
-            </a:r>
+            <a:endParaRPr lang="en-US" sz="1100" dirty="0"/>
+          </a:p>
+          <a:p>
             <a:r>
               <a:rPr lang="en-US" dirty="0"/>
-              <a:t>following code shows how the </a:t>
+              <a:t>The following code shows how the </a:t>
             </a:r>
             <a:r>
               <a:rPr lang="en-US" dirty="0" err="1"/>
@@ -5587,7 +5669,7 @@
 </p:sld>
 </file>
 
-<file path=ppt/slides/slide8.xml><?xml version="1.0" encoding="utf-8"?>
+<file path=ppt/slides/slide9.xml><?xml version="1.0" encoding="utf-8"?>
 <p:sld xmlns:a="http://schemas.openxmlformats.org/drawingml/2006/main" xmlns:r="http://schemas.openxmlformats.org/officeDocument/2006/relationships" xmlns:p="http://schemas.openxmlformats.org/presentationml/2006/main">
   <p:cSld>
     <p:spTree>
@@ -5621,10 +5703,9 @@
           <a:p>
             <a:pPr algn="l"/>
             <a:r>
-              <a:rPr lang="en-US" dirty="0" smtClean="0"/>
+              <a:rPr lang="en-US" dirty="0"/>
               <a:t>Summary</a:t>
             </a:r>
-            <a:endParaRPr lang="en-US" dirty="0"/>
           </a:p>
         </p:txBody>
       </p:sp>
@@ -5644,28 +5725,27 @@
           <a:lstStyle/>
           <a:p>
             <a:r>
-              <a:rPr lang="en-US" dirty="0" smtClean="0"/>
+              <a:rPr lang="en-US" dirty="0"/>
               <a:t>Heartbeat protocol</a:t>
             </a:r>
           </a:p>
           <a:p>
             <a:r>
-              <a:rPr lang="en-US" dirty="0" smtClean="0"/>
+              <a:rPr lang="en-US" dirty="0"/>
               <a:t>The flaw in the heartbeat protocol</a:t>
             </a:r>
           </a:p>
           <a:p>
             <a:r>
-              <a:rPr lang="en-US" dirty="0" smtClean="0"/>
+              <a:rPr lang="en-US" dirty="0"/>
               <a:t>Heartbleed bug</a:t>
             </a:r>
           </a:p>
           <a:p>
             <a:r>
-              <a:rPr lang="en-US" dirty="0" smtClean="0"/>
+              <a:rPr lang="en-US" dirty="0"/>
               <a:t>How to launch the attack</a:t>
             </a:r>
-            <a:endParaRPr lang="en-US" dirty="0"/>
           </a:p>
         </p:txBody>
       </p:sp>
